--- a/I_Checkin.pptx
+++ b/I_Checkin.pptx
@@ -10,6 +10,9 @@
     <p:sldId id="257" r:id="rId4"/>
     <p:sldId id="261" r:id="rId5"/>
     <p:sldId id="262" r:id="rId6"/>
+    <p:sldId id="264" r:id="rId7"/>
+    <p:sldId id="263" r:id="rId8"/>
+    <p:sldId id="265" r:id="rId9"/>
   </p:sldIdLst>
   <p:sldSz cx="12192000" cy="6858000"/>
   <p:notesSz cx="6858000" cy="9144000"/>
@@ -346,7 +349,7 @@
           <a:p>
             <a:fld id="{8B7DBB11-D261-4A48-BA66-59A5C8BA2FD3}" type="datetimeFigureOut">
               <a:rPr lang="en-US" smtClean="0"/>
-              <a:t>5/5/2017</a:t>
+              <a:t>5/6/2017</a:t>
             </a:fld>
             <a:endParaRPr lang="en-US"/>
           </a:p>
@@ -554,7 +557,7 @@
           <a:p>
             <a:fld id="{8B7DBB11-D261-4A48-BA66-59A5C8BA2FD3}" type="datetimeFigureOut">
               <a:rPr lang="en-US" smtClean="0"/>
-              <a:t>5/5/2017</a:t>
+              <a:t>5/6/2017</a:t>
             </a:fld>
             <a:endParaRPr lang="en-US"/>
           </a:p>
@@ -810,7 +813,7 @@
           <a:p>
             <a:fld id="{8B7DBB11-D261-4A48-BA66-59A5C8BA2FD3}" type="datetimeFigureOut">
               <a:rPr lang="en-US" smtClean="0"/>
-              <a:t>5/5/2017</a:t>
+              <a:t>5/6/2017</a:t>
             </a:fld>
             <a:endParaRPr lang="en-US"/>
           </a:p>
@@ -984,7 +987,7 @@
           <a:p>
             <a:fld id="{8B7DBB11-D261-4A48-BA66-59A5C8BA2FD3}" type="datetimeFigureOut">
               <a:rPr lang="en-US" smtClean="0"/>
-              <a:t>5/5/2017</a:t>
+              <a:t>5/6/2017</a:t>
             </a:fld>
             <a:endParaRPr lang="en-US"/>
           </a:p>
@@ -1327,7 +1330,7 @@
           <a:p>
             <a:fld id="{8B7DBB11-D261-4A48-BA66-59A5C8BA2FD3}" type="datetimeFigureOut">
               <a:rPr lang="en-US" smtClean="0"/>
-              <a:t>5/5/2017</a:t>
+              <a:t>5/6/2017</a:t>
             </a:fld>
             <a:endParaRPr lang="en-US"/>
           </a:p>
@@ -1602,7 +1605,7 @@
           <a:p>
             <a:fld id="{8B7DBB11-D261-4A48-BA66-59A5C8BA2FD3}" type="datetimeFigureOut">
               <a:rPr lang="en-US" smtClean="0"/>
-              <a:t>5/5/2017</a:t>
+              <a:t>5/6/2017</a:t>
             </a:fld>
             <a:endParaRPr lang="en-US"/>
           </a:p>
@@ -1981,7 +1984,7 @@
           <a:p>
             <a:fld id="{8B7DBB11-D261-4A48-BA66-59A5C8BA2FD3}" type="datetimeFigureOut">
               <a:rPr lang="en-US" smtClean="0"/>
-              <a:t>5/5/2017</a:t>
+              <a:t>5/6/2017</a:t>
             </a:fld>
             <a:endParaRPr lang="en-US"/>
           </a:p>
@@ -2099,7 +2102,7 @@
           <a:p>
             <a:fld id="{8B7DBB11-D261-4A48-BA66-59A5C8BA2FD3}" type="datetimeFigureOut">
               <a:rPr lang="en-US" smtClean="0"/>
-              <a:t>5/5/2017</a:t>
+              <a:t>5/6/2017</a:t>
             </a:fld>
             <a:endParaRPr lang="en-US"/>
           </a:p>
@@ -2270,7 +2273,7 @@
           <a:p>
             <a:fld id="{8B7DBB11-D261-4A48-BA66-59A5C8BA2FD3}" type="datetimeFigureOut">
               <a:rPr lang="en-US" smtClean="0"/>
-              <a:t>5/5/2017</a:t>
+              <a:t>5/6/2017</a:t>
             </a:fld>
             <a:endParaRPr lang="en-US"/>
           </a:p>
@@ -2624,7 +2627,7 @@
           <a:p>
             <a:fld id="{8B7DBB11-D261-4A48-BA66-59A5C8BA2FD3}" type="datetimeFigureOut">
               <a:rPr lang="en-US" smtClean="0"/>
-              <a:t>5/5/2017</a:t>
+              <a:t>5/6/2017</a:t>
             </a:fld>
             <a:endParaRPr lang="en-US"/>
           </a:p>
@@ -3006,7 +3009,7 @@
           <a:p>
             <a:fld id="{8B7DBB11-D261-4A48-BA66-59A5C8BA2FD3}" type="datetimeFigureOut">
               <a:rPr lang="en-US" smtClean="0"/>
-              <a:t>5/5/2017</a:t>
+              <a:t>5/6/2017</a:t>
             </a:fld>
             <a:endParaRPr lang="en-US"/>
           </a:p>
@@ -3293,7 +3296,7 @@
           <a:p>
             <a:fld id="{8B7DBB11-D261-4A48-BA66-59A5C8BA2FD3}" type="datetimeFigureOut">
               <a:rPr lang="en-US" smtClean="0"/>
-              <a:t>5/5/2017</a:t>
+              <a:t>5/6/2017</a:t>
             </a:fld>
             <a:endParaRPr lang="en-US"/>
           </a:p>
@@ -4629,6 +4632,62 @@
                 <a:latin typeface="Times New Roman" panose="02020603050405020304" pitchFamily="18" charset="0"/>
                 <a:cs typeface="Times New Roman" panose="02020603050405020304" pitchFamily="18" charset="0"/>
               </a:rPr>
+              <a:t>, </a:t>
+            </a:r>
+            <a:r>
+              <a:rPr lang="en-US" sz="2500" dirty="0" err="1">
+                <a:latin typeface="Times New Roman" panose="02020603050405020304" pitchFamily="18" charset="0"/>
+                <a:cs typeface="Times New Roman" panose="02020603050405020304" pitchFamily="18" charset="0"/>
+              </a:rPr>
+              <a:t>dan</a:t>
+            </a:r>
+            <a:r>
+              <a:rPr lang="en-US" sz="2500" dirty="0">
+                <a:latin typeface="Times New Roman" panose="02020603050405020304" pitchFamily="18" charset="0"/>
+                <a:cs typeface="Times New Roman" panose="02020603050405020304" pitchFamily="18" charset="0"/>
+              </a:rPr>
+              <a:t> </a:t>
+            </a:r>
+            <a:r>
+              <a:rPr lang="en-US" sz="2500" dirty="0" err="1">
+                <a:latin typeface="Times New Roman" panose="02020603050405020304" pitchFamily="18" charset="0"/>
+                <a:cs typeface="Times New Roman" panose="02020603050405020304" pitchFamily="18" charset="0"/>
+              </a:rPr>
+              <a:t>dapat</a:t>
+            </a:r>
+            <a:r>
+              <a:rPr lang="en-US" sz="2500" dirty="0">
+                <a:latin typeface="Times New Roman" panose="02020603050405020304" pitchFamily="18" charset="0"/>
+                <a:cs typeface="Times New Roman" panose="02020603050405020304" pitchFamily="18" charset="0"/>
+              </a:rPr>
+              <a:t> </a:t>
+            </a:r>
+            <a:r>
+              <a:rPr lang="en-US" sz="2500" dirty="0" err="1">
+                <a:latin typeface="Times New Roman" panose="02020603050405020304" pitchFamily="18" charset="0"/>
+                <a:cs typeface="Times New Roman" panose="02020603050405020304" pitchFamily="18" charset="0"/>
+              </a:rPr>
+              <a:t>mengelola</a:t>
+            </a:r>
+            <a:r>
+              <a:rPr lang="en-US" sz="2500" dirty="0">
+                <a:latin typeface="Times New Roman" panose="02020603050405020304" pitchFamily="18" charset="0"/>
+                <a:cs typeface="Times New Roman" panose="02020603050405020304" pitchFamily="18" charset="0"/>
+              </a:rPr>
+              <a:t> </a:t>
+            </a:r>
+            <a:r>
+              <a:rPr lang="en-US" sz="2500" dirty="0" err="1">
+                <a:latin typeface="Times New Roman" panose="02020603050405020304" pitchFamily="18" charset="0"/>
+                <a:cs typeface="Times New Roman" panose="02020603050405020304" pitchFamily="18" charset="0"/>
+              </a:rPr>
+              <a:t>pelayanan</a:t>
+            </a:r>
+            <a:r>
+              <a:rPr lang="en-US" sz="2500" dirty="0">
+                <a:latin typeface="Times New Roman" panose="02020603050405020304" pitchFamily="18" charset="0"/>
+                <a:cs typeface="Times New Roman" panose="02020603050405020304" pitchFamily="18" charset="0"/>
+              </a:rPr>
               <a:t>. Di </a:t>
             </a:r>
             <a:r>
@@ -4818,7 +4877,21 @@
                 <a:latin typeface="Times New Roman" panose="02020603050405020304" pitchFamily="18" charset="0"/>
                 <a:cs typeface="Times New Roman" panose="02020603050405020304" pitchFamily="18" charset="0"/>
               </a:rPr>
-              <a:t>mengatur</a:t>
+              <a:t>mengelola</a:t>
+            </a:r>
+            <a:r>
+              <a:rPr lang="en-US" sz="2500" dirty="0">
+                <a:latin typeface="Times New Roman" panose="02020603050405020304" pitchFamily="18" charset="0"/>
+                <a:cs typeface="Times New Roman" panose="02020603050405020304" pitchFamily="18" charset="0"/>
+              </a:rPr>
+              <a:t> user, </a:t>
+            </a:r>
+            <a:r>
+              <a:rPr lang="en-US" sz="2500" dirty="0" err="1">
+                <a:latin typeface="Times New Roman" panose="02020603050405020304" pitchFamily="18" charset="0"/>
+                <a:cs typeface="Times New Roman" panose="02020603050405020304" pitchFamily="18" charset="0"/>
+              </a:rPr>
+              <a:t>mengelola</a:t>
             </a:r>
             <a:r>
               <a:rPr lang="en-US" sz="2500" dirty="0">
@@ -4832,7 +4905,21 @@
                 <a:latin typeface="Times New Roman" panose="02020603050405020304" pitchFamily="18" charset="0"/>
                 <a:cs typeface="Times New Roman" panose="02020603050405020304" pitchFamily="18" charset="0"/>
               </a:rPr>
-              <a:t>dan</a:t>
+              <a:t>kamar</a:t>
+            </a:r>
+            <a:r>
+              <a:rPr lang="en-US" sz="2500" dirty="0">
+                <a:latin typeface="Times New Roman" panose="02020603050405020304" pitchFamily="18" charset="0"/>
+                <a:cs typeface="Times New Roman" panose="02020603050405020304" pitchFamily="18" charset="0"/>
+              </a:rPr>
+              <a:t> da </a:t>
+            </a:r>
+            <a:r>
+              <a:rPr lang="en-US" sz="2500" dirty="0" err="1">
+                <a:latin typeface="Times New Roman" panose="02020603050405020304" pitchFamily="18" charset="0"/>
+                <a:cs typeface="Times New Roman" panose="02020603050405020304" pitchFamily="18" charset="0"/>
+              </a:rPr>
+              <a:t>mengelola</a:t>
             </a:r>
             <a:r>
               <a:rPr lang="en-US" sz="2500" dirty="0">
@@ -4846,21 +4933,7 @@
                 <a:latin typeface="Times New Roman" panose="02020603050405020304" pitchFamily="18" charset="0"/>
                 <a:cs typeface="Times New Roman" panose="02020603050405020304" pitchFamily="18" charset="0"/>
               </a:rPr>
-              <a:t>mengelola</a:t>
-            </a:r>
-            <a:r>
-              <a:rPr lang="en-US" sz="2500" dirty="0">
-                <a:latin typeface="Times New Roman" panose="02020603050405020304" pitchFamily="18" charset="0"/>
-                <a:cs typeface="Times New Roman" panose="02020603050405020304" pitchFamily="18" charset="0"/>
-              </a:rPr>
-              <a:t> </a:t>
-            </a:r>
-            <a:r>
-              <a:rPr lang="en-US" sz="2500" dirty="0" err="1">
-                <a:latin typeface="Times New Roman" panose="02020603050405020304" pitchFamily="18" charset="0"/>
-                <a:cs typeface="Times New Roman" panose="02020603050405020304" pitchFamily="18" charset="0"/>
-              </a:rPr>
-              <a:t>karyawan</a:t>
+              <a:t>pelayanan</a:t>
             </a:r>
             <a:r>
               <a:rPr lang="en-US" sz="2500" dirty="0">
@@ -5273,9 +5346,16 @@
             <p:ph type="title"/>
           </p:nvPr>
         </p:nvSpPr>
-        <p:spPr/>
-        <p:txBody>
-          <a:bodyPr/>
+        <p:spPr>
+          <a:xfrm>
+            <a:off x="182880" y="714375"/>
+            <a:ext cx="6627495" cy="209550"/>
+          </a:xfrm>
+        </p:spPr>
+        <p:txBody>
+          <a:bodyPr>
+            <a:normAutofit fontScale="90000"/>
+          </a:bodyPr>
           <a:lstStyle/>
           <a:p>
             <a:r>
@@ -5287,13 +5367,11 @@
       </p:sp>
       <p:pic>
         <p:nvPicPr>
-          <p:cNvPr id="4" name="Content Placeholder 3"/>
+          <p:cNvPr id="9" name="Picture 8"/>
           <p:cNvPicPr>
-            <a:picLocks noGrp="1" noChangeAspect="1"/>
+            <a:picLocks noChangeAspect="1"/>
           </p:cNvPicPr>
-          <p:nvPr>
-            <p:ph idx="1"/>
-          </p:nvPr>
+          <p:nvPr/>
         </p:nvPicPr>
         <p:blipFill>
           <a:blip r:embed="rId2"/>
@@ -5303,8 +5381,8 @@
         </p:blipFill>
         <p:spPr>
           <a:xfrm>
-            <a:off x="2348334" y="1846263"/>
-            <a:ext cx="7555657" cy="4022725"/>
+            <a:off x="1400175" y="1197696"/>
+            <a:ext cx="9163050" cy="4930333"/>
           </a:xfrm>
           <a:prstGeom prst="rect">
             <a:avLst/>
@@ -5315,6 +5393,246 @@
     <p:extLst>
       <p:ext uri="{BB962C8B-B14F-4D97-AF65-F5344CB8AC3E}">
         <p14:creationId xmlns:p14="http://schemas.microsoft.com/office/powerpoint/2010/main" val="1957592737"/>
+      </p:ext>
+    </p:extLst>
+  </p:cSld>
+  <p:clrMapOvr>
+    <a:masterClrMapping/>
+  </p:clrMapOvr>
+</p:sld>
+</file>
+
+<file path=ppt/slides/slide6.xml><?xml version="1.0" encoding="utf-8"?>
+<p:sld xmlns:a="http://schemas.openxmlformats.org/drawingml/2006/main" xmlns:r="http://schemas.openxmlformats.org/officeDocument/2006/relationships" xmlns:p="http://schemas.openxmlformats.org/presentationml/2006/main">
+  <p:cSld>
+    <p:spTree>
+      <p:nvGrpSpPr>
+        <p:cNvPr id="1" name=""/>
+        <p:cNvGrpSpPr/>
+        <p:nvPr/>
+      </p:nvGrpSpPr>
+      <p:grpSpPr>
+        <a:xfrm>
+          <a:off x="0" y="0"/>
+          <a:ext cx="0" cy="0"/>
+          <a:chOff x="0" y="0"/>
+          <a:chExt cx="0" cy="0"/>
+        </a:xfrm>
+      </p:grpSpPr>
+      <p:sp>
+        <p:nvSpPr>
+          <p:cNvPr id="2" name="Title 1"/>
+          <p:cNvSpPr>
+            <a:spLocks noGrp="1"/>
+          </p:cNvSpPr>
+          <p:nvPr>
+            <p:ph type="title"/>
+          </p:nvPr>
+        </p:nvSpPr>
+        <p:spPr/>
+        <p:txBody>
+          <a:bodyPr/>
+          <a:lstStyle/>
+          <a:p>
+            <a:r>
+              <a:rPr lang="en-US" dirty="0"/>
+              <a:t>Database </a:t>
+            </a:r>
+            <a:r>
+              <a:rPr lang="en-US" dirty="0" err="1"/>
+              <a:t>I_Checkin</a:t>
+            </a:r>
+            <a:r>
+              <a:rPr lang="en-US" dirty="0"/>
+              <a:t> </a:t>
+            </a:r>
+          </a:p>
+        </p:txBody>
+      </p:sp>
+      <p:pic>
+        <p:nvPicPr>
+          <p:cNvPr id="4" name="Content Placeholder 3"/>
+          <p:cNvPicPr>
+            <a:picLocks noGrp="1" noChangeAspect="1"/>
+          </p:cNvPicPr>
+          <p:nvPr>
+            <p:ph idx="1"/>
+          </p:nvPr>
+        </p:nvPicPr>
+        <p:blipFill>
+          <a:blip r:embed="rId2"/>
+          <a:stretch>
+            <a:fillRect/>
+          </a:stretch>
+        </p:blipFill>
+        <p:spPr>
+          <a:xfrm>
+            <a:off x="1924081" y="1846263"/>
+            <a:ext cx="8404164" cy="4022725"/>
+          </a:xfrm>
+          <a:prstGeom prst="rect">
+            <a:avLst/>
+          </a:prstGeom>
+        </p:spPr>
+      </p:pic>
+    </p:spTree>
+    <p:extLst>
+      <p:ext uri="{BB962C8B-B14F-4D97-AF65-F5344CB8AC3E}">
+        <p14:creationId xmlns:p14="http://schemas.microsoft.com/office/powerpoint/2010/main" val="97448738"/>
+      </p:ext>
+    </p:extLst>
+  </p:cSld>
+  <p:clrMapOvr>
+    <a:masterClrMapping/>
+  </p:clrMapOvr>
+</p:sld>
+</file>
+
+<file path=ppt/slides/slide7.xml><?xml version="1.0" encoding="utf-8"?>
+<p:sld xmlns:a="http://schemas.openxmlformats.org/drawingml/2006/main" xmlns:r="http://schemas.openxmlformats.org/officeDocument/2006/relationships" xmlns:p="http://schemas.openxmlformats.org/presentationml/2006/main">
+  <p:cSld>
+    <p:spTree>
+      <p:nvGrpSpPr>
+        <p:cNvPr id="1" name=""/>
+        <p:cNvGrpSpPr/>
+        <p:nvPr/>
+      </p:nvGrpSpPr>
+      <p:grpSpPr>
+        <a:xfrm>
+          <a:off x="0" y="0"/>
+          <a:ext cx="0" cy="0"/>
+          <a:chOff x="0" y="0"/>
+          <a:chExt cx="0" cy="0"/>
+        </a:xfrm>
+      </p:grpSpPr>
+      <p:sp>
+        <p:nvSpPr>
+          <p:cNvPr id="2" name="Title 1"/>
+          <p:cNvSpPr>
+            <a:spLocks noGrp="1"/>
+          </p:cNvSpPr>
+          <p:nvPr>
+            <p:ph type="title"/>
+          </p:nvPr>
+        </p:nvSpPr>
+        <p:spPr/>
+        <p:txBody>
+          <a:bodyPr/>
+          <a:lstStyle/>
+          <a:p>
+            <a:r>
+              <a:rPr lang="en-US" dirty="0"/>
+              <a:t>Logo </a:t>
+            </a:r>
+            <a:r>
+              <a:rPr lang="en-US" dirty="0" err="1"/>
+              <a:t>I_Checkin</a:t>
+            </a:r>
+            <a:r>
+              <a:rPr lang="en-US" dirty="0"/>
+              <a:t> </a:t>
+            </a:r>
+          </a:p>
+        </p:txBody>
+      </p:sp>
+      <p:pic>
+        <p:nvPicPr>
+          <p:cNvPr id="4" name="Content Placeholder 3"/>
+          <p:cNvPicPr>
+            <a:picLocks noGrp="1" noChangeAspect="1"/>
+          </p:cNvPicPr>
+          <p:nvPr>
+            <p:ph idx="1"/>
+          </p:nvPr>
+        </p:nvPicPr>
+        <p:blipFill>
+          <a:blip r:embed="rId2"/>
+          <a:stretch>
+            <a:fillRect/>
+          </a:stretch>
+        </p:blipFill>
+        <p:spPr>
+          <a:xfrm>
+            <a:off x="3935189" y="2219138"/>
+            <a:ext cx="4065811" cy="3388175"/>
+          </a:xfrm>
+          <a:prstGeom prst="rect">
+            <a:avLst/>
+          </a:prstGeom>
+        </p:spPr>
+      </p:pic>
+    </p:spTree>
+    <p:extLst>
+      <p:ext uri="{BB962C8B-B14F-4D97-AF65-F5344CB8AC3E}">
+        <p14:creationId xmlns:p14="http://schemas.microsoft.com/office/powerpoint/2010/main" val="3671314854"/>
+      </p:ext>
+    </p:extLst>
+  </p:cSld>
+  <p:clrMapOvr>
+    <a:masterClrMapping/>
+  </p:clrMapOvr>
+</p:sld>
+</file>
+
+<file path=ppt/slides/slide8.xml><?xml version="1.0" encoding="utf-8"?>
+<p:sld xmlns:a="http://schemas.openxmlformats.org/drawingml/2006/main" xmlns:r="http://schemas.openxmlformats.org/officeDocument/2006/relationships" xmlns:p="http://schemas.openxmlformats.org/presentationml/2006/main">
+  <p:cSld>
+    <p:spTree>
+      <p:nvGrpSpPr>
+        <p:cNvPr id="1" name=""/>
+        <p:cNvGrpSpPr/>
+        <p:nvPr/>
+      </p:nvGrpSpPr>
+      <p:grpSpPr>
+        <a:xfrm>
+          <a:off x="0" y="0"/>
+          <a:ext cx="0" cy="0"/>
+          <a:chOff x="0" y="0"/>
+          <a:chExt cx="0" cy="0"/>
+        </a:xfrm>
+      </p:grpSpPr>
+      <p:sp>
+        <p:nvSpPr>
+          <p:cNvPr id="2" name="Title 1"/>
+          <p:cNvSpPr>
+            <a:spLocks noGrp="1"/>
+          </p:cNvSpPr>
+          <p:nvPr>
+            <p:ph type="title"/>
+          </p:nvPr>
+        </p:nvSpPr>
+        <p:spPr/>
+        <p:txBody>
+          <a:bodyPr/>
+          <a:lstStyle/>
+          <a:p>
+            <a:endParaRPr lang="en-US"/>
+          </a:p>
+        </p:txBody>
+      </p:sp>
+      <p:sp>
+        <p:nvSpPr>
+          <p:cNvPr id="3" name="Content Placeholder 2"/>
+          <p:cNvSpPr>
+            <a:spLocks noGrp="1"/>
+          </p:cNvSpPr>
+          <p:nvPr>
+            <p:ph idx="1"/>
+          </p:nvPr>
+        </p:nvSpPr>
+        <p:spPr/>
+        <p:txBody>
+          <a:bodyPr/>
+          <a:lstStyle/>
+          <a:p>
+            <a:endParaRPr lang="en-US"/>
+          </a:p>
+        </p:txBody>
+      </p:sp>
+    </p:spTree>
+    <p:extLst>
+      <p:ext uri="{BB962C8B-B14F-4D97-AF65-F5344CB8AC3E}">
+        <p14:creationId xmlns:p14="http://schemas.microsoft.com/office/powerpoint/2010/main" val="560547132"/>
       </p:ext>
     </p:extLst>
   </p:cSld>
